--- a/DS_Project/JLiang_XAU.pptx
+++ b/DS_Project/JLiang_XAU.pptx
@@ -725,11 +725,39 @@
           <a:p>
             <a:r>
               <a:rPr lang="en-US" dirty="0" smtClean="0"/>
-              <a:t>Noticed R-Squared</a:t>
-            </a:r>
-            <a:r>
-              <a:rPr lang="en-US" baseline="0" dirty="0" smtClean="0"/>
-              <a:t> was high which resulted better variability between EURUSD and Moving Averages data.</a:t>
+              <a:t>Notice</a:t>
+            </a:r>
+            <a:r>
+              <a:rPr lang="en-US" baseline="0" dirty="0" smtClean="0"/>
+              <a:t> the</a:t>
+            </a:r>
+            <a:r>
+              <a:rPr lang="en-US" dirty="0" smtClean="0"/>
+              <a:t> </a:t>
+            </a:r>
+            <a:r>
+              <a:rPr lang="en-US" dirty="0" smtClean="0"/>
+              <a:t>R-Squared</a:t>
+            </a:r>
+            <a:r>
+              <a:rPr lang="en-US" baseline="0" dirty="0" smtClean="0"/>
+              <a:t> was high </a:t>
+            </a:r>
+            <a:r>
+              <a:rPr lang="en-US" baseline="0" dirty="0" smtClean="0"/>
+              <a:t>and resulted in better </a:t>
+            </a:r>
+            <a:r>
+              <a:rPr lang="en-US" baseline="0" dirty="0" smtClean="0"/>
+              <a:t>variability between </a:t>
+            </a:r>
+            <a:r>
+              <a:rPr lang="en-US" baseline="0" dirty="0" smtClean="0"/>
+              <a:t>EUR/USD </a:t>
+            </a:r>
+            <a:r>
+              <a:rPr lang="en-US" baseline="0" dirty="0" smtClean="0"/>
+              <a:t>and Moving Averages data.</a:t>
             </a:r>
           </a:p>
           <a:p>
@@ -822,8 +850,15 @@
           <a:p>
             <a:r>
               <a:rPr lang="en-US" dirty="0" smtClean="0"/>
-              <a:t>Conclusion:</a:t>
-            </a:r>
+              <a:t>Conclusion</a:t>
+            </a:r>
+            <a:r>
+              <a:rPr lang="en-US" dirty="0" smtClean="0"/>
+              <a:t>:</a:t>
+            </a:r>
+          </a:p>
+          <a:p>
+            <a:endParaRPr lang="en-US" dirty="0" smtClean="0"/>
           </a:p>
           <a:p>
             <a:r>
@@ -835,14 +870,34 @@
               <a:t> </a:t>
             </a:r>
             <a:r>
-              <a:rPr lang="en-US" dirty="0" smtClean="0"/>
-              <a:t>Linear Regression would give better insight with currency purchase power analysis.</a:t>
+              <a:rPr lang="en-US" baseline="0" dirty="0" smtClean="0"/>
+              <a:t>the </a:t>
+            </a:r>
+            <a:r>
+              <a:rPr lang="en-US" dirty="0" smtClean="0"/>
+              <a:t>Linear </a:t>
+            </a:r>
+            <a:r>
+              <a:rPr lang="en-US" dirty="0" smtClean="0"/>
+              <a:t>Regression would give better insight with </a:t>
+            </a:r>
+            <a:r>
+              <a:rPr lang="en-US" dirty="0" smtClean="0"/>
+              <a:t>analyzing the purchasing power of currency. </a:t>
             </a:r>
           </a:p>
           <a:p>
             <a:endParaRPr lang="en-US" dirty="0" smtClean="0"/>
           </a:p>
           <a:p>
+            <a:r>
+              <a:rPr lang="en-US" dirty="0" smtClean="0"/>
+              <a:t>Forecasting the exchange rate is a challenging task</a:t>
+            </a:r>
+            <a:r>
+              <a:rPr lang="en-US" baseline="0" dirty="0" smtClean="0"/>
+              <a:t> as the currencies are sensitive to unexpected external events and can become difficult to measure.</a:t>
+            </a:r>
             <a:endParaRPr lang="en-US" dirty="0"/>
           </a:p>
         </p:txBody>
@@ -929,27 +984,36 @@
           <a:p>
             <a:r>
               <a:rPr lang="en-US" dirty="0" smtClean="0"/>
-              <a:t>There are</a:t>
-            </a:r>
-            <a:r>
-              <a:rPr lang="en-US" baseline="0" dirty="0" smtClean="0"/>
-              <a:t> </a:t>
-            </a:r>
-            <a:r>
-              <a:rPr lang="en-US" baseline="0" dirty="0" smtClean="0"/>
-              <a:t>recent suggestions </a:t>
-            </a:r>
-            <a:r>
-              <a:rPr lang="en-US" baseline="0" dirty="0" smtClean="0"/>
-              <a:t>shared from </a:t>
-            </a:r>
-            <a:r>
-              <a:rPr lang="en-US" baseline="0" dirty="0" smtClean="0"/>
-              <a:t>EIC’s </a:t>
-            </a:r>
-            <a:r>
-              <a:rPr lang="en-US" baseline="0" dirty="0" smtClean="0"/>
-              <a:t>and myself that would be worthy checking out though there is so much possibilities to use for this particular project.</a:t>
+              <a:t>Recent </a:t>
+            </a:r>
+            <a:r>
+              <a:rPr lang="en-US" baseline="0" dirty="0" smtClean="0"/>
+              <a:t>suggestions </a:t>
+            </a:r>
+            <a:r>
+              <a:rPr lang="en-US" baseline="0" dirty="0" smtClean="0"/>
+              <a:t>shared </a:t>
+            </a:r>
+            <a:r>
+              <a:rPr lang="en-US" baseline="0" dirty="0" smtClean="0"/>
+              <a:t>from the EIC include checking out the aforementioned application models as there are many possible uses for this particular project. </a:t>
+            </a:r>
+          </a:p>
+          <a:p>
+            <a:endParaRPr lang="en-US" baseline="0" dirty="0" smtClean="0"/>
+          </a:p>
+          <a:p>
+            <a:r>
+              <a:rPr lang="en-US" baseline="0" dirty="0" smtClean="0"/>
+              <a:t>If you are interested to check it out, please visit this project at my </a:t>
+            </a:r>
+            <a:r>
+              <a:rPr lang="en-US" baseline="0" dirty="0" err="1" smtClean="0"/>
+              <a:t>GitHub</a:t>
+            </a:r>
+            <a:r>
+              <a:rPr lang="en-US" baseline="0" dirty="0" smtClean="0"/>
+              <a:t>!</a:t>
             </a:r>
             <a:endParaRPr lang="en-US" dirty="0"/>
           </a:p>
@@ -1045,11 +1109,7 @@
             </a:r>
             <a:r>
               <a:rPr lang="en-US" baseline="0" dirty="0" smtClean="0"/>
-              <a:t> to go with 6 months worth of data due to XAU as an element based to correlate with currencies</a:t>
-            </a:r>
-            <a:r>
-              <a:rPr lang="en-US" baseline="0" dirty="0" smtClean="0"/>
-              <a:t>.</a:t>
+              <a:t> to go with 6 months worth of data due to XAU as an element based to correlate with currencies.</a:t>
             </a:r>
           </a:p>
           <a:p>
@@ -1066,15 +1126,33 @@
             </a:pPr>
             <a:r>
               <a:rPr lang="en-US" baseline="0" dirty="0" smtClean="0"/>
+              <a:t>Obtain data from </a:t>
+            </a:r>
+            <a:r>
+              <a:rPr lang="en-US" baseline="0" dirty="0" err="1" smtClean="0"/>
+              <a:t>Oanda.com</a:t>
+            </a:r>
+            <a:endParaRPr lang="en-US" baseline="0" dirty="0" smtClean="0"/>
+          </a:p>
+          <a:p>
+            <a:pPr marL="0" indent="0">
+              <a:buFontTx/>
+              <a:buNone/>
+            </a:pPr>
+            <a:endParaRPr lang="en-US" baseline="0" dirty="0" smtClean="0"/>
+          </a:p>
+          <a:p>
+            <a:pPr marL="171450" indent="-171450">
+              <a:buFontTx/>
+              <a:buChar char="-"/>
+            </a:pPr>
+            <a:r>
+              <a:rPr lang="en-US" baseline="0" dirty="0" smtClean="0"/>
               <a:t>Idea: </a:t>
             </a:r>
             <a:r>
               <a:rPr lang="en-US" dirty="0" smtClean="0"/>
-              <a:t>Possible leverage the purchase power of the currency to our </a:t>
-            </a:r>
-            <a:r>
-              <a:rPr lang="en-US" dirty="0" smtClean="0"/>
-              <a:t>advantage</a:t>
+              <a:t>Possible leverage the purchase power of the currency to our advantage</a:t>
             </a:r>
             <a:r>
               <a:rPr lang="en-US" baseline="0" dirty="0" smtClean="0"/>
@@ -1166,19 +1244,108 @@
           <a:p>
             <a:r>
               <a:rPr lang="en-US" baseline="0" dirty="0" smtClean="0"/>
-              <a:t>Selected Time </a:t>
-            </a:r>
-            <a:r>
-              <a:rPr lang="en-US" baseline="0" dirty="0" smtClean="0"/>
-              <a:t>Series Model </a:t>
-            </a:r>
-            <a:r>
-              <a:rPr lang="en-US" baseline="0" dirty="0" smtClean="0"/>
-              <a:t>based on lectures I learn as </a:t>
-            </a:r>
-            <a:r>
-              <a:rPr lang="en-US" baseline="0" dirty="0" smtClean="0"/>
-              <a:t>the other need significant data and complex inputs to evaluate.</a:t>
+              <a:t>PPP: a </a:t>
+            </a:r>
+            <a:r>
+              <a:rPr lang="en-US" dirty="0" smtClean="0"/>
+              <a:t>theory in which countries determine</a:t>
+            </a:r>
+            <a:r>
+              <a:rPr lang="en-US" baseline="0" dirty="0" smtClean="0"/>
+              <a:t> the </a:t>
+            </a:r>
+            <a:r>
+              <a:rPr lang="en-US" dirty="0" smtClean="0"/>
+              <a:t>exchange rates between currencies to ensure equivalences</a:t>
+            </a:r>
+            <a:r>
+              <a:rPr lang="en-US" baseline="0" dirty="0" smtClean="0"/>
+              <a:t> so that the</a:t>
+            </a:r>
+            <a:r>
+              <a:rPr lang="en-US" dirty="0" smtClean="0"/>
+              <a:t> </a:t>
+            </a:r>
+            <a:r>
+              <a:rPr lang="en-US" b="1" dirty="0" smtClean="0"/>
+              <a:t>purchasing power</a:t>
+            </a:r>
+            <a:r>
+              <a:rPr lang="en-US" dirty="0" smtClean="0"/>
+              <a:t> amounts to the same value in each country</a:t>
+            </a:r>
+          </a:p>
+          <a:p>
+            <a:endParaRPr lang="en-US" baseline="0" dirty="0" smtClean="0"/>
+          </a:p>
+          <a:p>
+            <a:pPr marL="0" marR="0" indent="0" algn="l" defTabSz="457200" rtl="0" eaLnBrk="1" fontAlgn="auto" latinLnBrk="0" hangingPunct="1">
+              <a:lnSpc>
+                <a:spcPct val="100000"/>
+              </a:lnSpc>
+              <a:spcBef>
+                <a:spcPts val="0"/>
+              </a:spcBef>
+              <a:spcAft>
+                <a:spcPts val="0"/>
+              </a:spcAft>
+              <a:buClrTx/>
+              <a:buSzTx/>
+              <a:buFontTx/>
+              <a:buNone/>
+              <a:tabLst/>
+              <a:defRPr/>
+            </a:pPr>
+            <a:r>
+              <a:rPr lang="en-US" baseline="0" dirty="0" smtClean="0"/>
+              <a:t>Relative Economic Strength Approach: explore</a:t>
+            </a:r>
+            <a:r>
+              <a:rPr lang="en-US" dirty="0" smtClean="0"/>
+              <a:t> the strength of economic growth in different countries in order to forecast the direction of exchange rates</a:t>
+            </a:r>
+            <a:endParaRPr lang="en-US" sz="1200" u="none" strike="noStrike" kern="1200" baseline="0" dirty="0" smtClean="0">
+              <a:solidFill>
+                <a:schemeClr val="tx1"/>
+              </a:solidFill>
+              <a:effectLst/>
+              <a:latin typeface="+mn-lt"/>
+              <a:ea typeface="+mn-ea"/>
+              <a:cs typeface="+mn-cs"/>
+            </a:endParaRPr>
+          </a:p>
+          <a:p>
+            <a:pPr marL="0" marR="0" indent="0" algn="l" defTabSz="457200" rtl="0" eaLnBrk="1" fontAlgn="auto" latinLnBrk="0" hangingPunct="1">
+              <a:lnSpc>
+                <a:spcPct val="100000"/>
+              </a:lnSpc>
+              <a:spcBef>
+                <a:spcPts val="0"/>
+              </a:spcBef>
+              <a:spcAft>
+                <a:spcPts val="0"/>
+              </a:spcAft>
+              <a:buClrTx/>
+              <a:buSzTx/>
+              <a:buFontTx/>
+              <a:buNone/>
+              <a:tabLst/>
+              <a:defRPr/>
+            </a:pPr>
+            <a:endParaRPr lang="en-US" baseline="0" dirty="0" smtClean="0"/>
+          </a:p>
+          <a:p>
+            <a:r>
+              <a:rPr lang="en-US" baseline="0" dirty="0" smtClean="0"/>
+              <a:t>The </a:t>
+            </a:r>
+            <a:r>
+              <a:rPr lang="en-US" baseline="0" dirty="0" smtClean="0"/>
+              <a:t>Time Series </a:t>
+            </a:r>
+            <a:r>
+              <a:rPr lang="en-US" baseline="0" dirty="0" smtClean="0"/>
+              <a:t>Model is selected to evaluate complex and significant data over time. </a:t>
             </a:r>
             <a:endParaRPr lang="en-US" dirty="0"/>
           </a:p>
@@ -1274,13 +1441,8 @@
             </a:r>
             <a:r>
               <a:rPr lang="en-US" baseline="0" dirty="0" smtClean="0"/>
-              <a:t> overview of </a:t>
-            </a:r>
-            <a:r>
-              <a:rPr lang="en-US" baseline="0" dirty="0" smtClean="0"/>
-              <a:t>data, currency rate, moving average calculations</a:t>
-            </a:r>
-            <a:endParaRPr lang="en-US" baseline="0" dirty="0" smtClean="0"/>
+              <a:t> overview of data, currency rate, moving average calculations</a:t>
+            </a:r>
           </a:p>
           <a:p>
             <a:pPr marL="171450" indent="-171450">
@@ -1289,19 +1451,15 @@
             </a:pPr>
             <a:r>
               <a:rPr lang="en-US" baseline="0" dirty="0" smtClean="0"/>
-              <a:t>Remark: Fill </a:t>
-            </a:r>
-            <a:r>
-              <a:rPr lang="en-US" baseline="0" dirty="0" smtClean="0"/>
-              <a:t>in nulls for XEUR data </a:t>
-            </a:r>
-            <a:r>
-              <a:rPr lang="en-US" baseline="0" dirty="0" smtClean="0"/>
-              <a:t>when </a:t>
-            </a:r>
-            <a:r>
-              <a:rPr lang="en-US" baseline="0" dirty="0" smtClean="0"/>
-              <a:t>I shift the data to line up with EURUSD</a:t>
+              <a:t>Remark: Fill in nulls for XEUR data when </a:t>
+            </a:r>
+            <a:r>
+              <a:rPr lang="en-US" baseline="0" dirty="0" smtClean="0"/>
+              <a:t>shifting the </a:t>
+            </a:r>
+            <a:r>
+              <a:rPr lang="en-US" baseline="0" dirty="0" smtClean="0"/>
+              <a:t>data to line up with EURUSD</a:t>
             </a:r>
           </a:p>
           <a:p>
@@ -1311,7 +1469,27 @@
             </a:pPr>
             <a:r>
               <a:rPr lang="en-US" baseline="0" dirty="0" smtClean="0"/>
-              <a:t>I select EUR/USD to focus on as I plan to explain in later slides.</a:t>
+              <a:t>EUR</a:t>
+            </a:r>
+            <a:r>
+              <a:rPr lang="en-US" baseline="0" dirty="0" smtClean="0"/>
+              <a:t>/</a:t>
+            </a:r>
+            <a:r>
+              <a:rPr lang="en-US" baseline="0" dirty="0" smtClean="0"/>
+              <a:t>USD is selected as the main </a:t>
+            </a:r>
+            <a:r>
+              <a:rPr lang="en-US" baseline="0" dirty="0" smtClean="0"/>
+              <a:t>focus </a:t>
+            </a:r>
+            <a:r>
+              <a:rPr lang="en-US" baseline="0" dirty="0" smtClean="0"/>
+              <a:t>and will be explained </a:t>
+            </a:r>
+            <a:r>
+              <a:rPr lang="en-US" baseline="0" dirty="0" smtClean="0"/>
+              <a:t>in later slides.</a:t>
             </a:r>
           </a:p>
           <a:p>
@@ -1321,16 +1499,21 @@
             </a:pPr>
             <a:r>
               <a:rPr lang="en-US" baseline="0" dirty="0" smtClean="0"/>
-              <a:t>XEUR2 and XEUR3 give me the most close correlations for </a:t>
-            </a:r>
-            <a:r>
-              <a:rPr lang="en-US" baseline="0" dirty="0" smtClean="0"/>
-              <a:t>some </a:t>
-            </a:r>
-            <a:r>
-              <a:rPr lang="en-US" baseline="0" dirty="0" smtClean="0"/>
-              <a:t>models I work on.</a:t>
-            </a:r>
+              <a:t>XEUR2 and XEUR3 </a:t>
+            </a:r>
+            <a:r>
+              <a:rPr lang="en-US" baseline="0" dirty="0" smtClean="0"/>
+              <a:t>provided </a:t>
+            </a:r>
+            <a:r>
+              <a:rPr lang="en-US" baseline="0" dirty="0" smtClean="0"/>
+              <a:t>the most close correlations for </a:t>
+            </a:r>
+            <a:r>
+              <a:rPr lang="en-US" baseline="0" dirty="0" smtClean="0"/>
+              <a:t>a few of the models worked on.</a:t>
+            </a:r>
+            <a:endParaRPr lang="en-US" baseline="0" dirty="0" smtClean="0"/>
           </a:p>
         </p:txBody>
       </p:sp>
@@ -1535,7 +1718,15 @@
             </a:pPr>
             <a:r>
               <a:rPr lang="en-US" dirty="0" smtClean="0"/>
-              <a:t>Possible Key Events which may result currency fluctuations: </a:t>
+              <a:t>Possible Key Events which may </a:t>
+            </a:r>
+            <a:r>
+              <a:rPr lang="en-US" dirty="0" smtClean="0"/>
+              <a:t>result in </a:t>
+            </a:r>
+            <a:r>
+              <a:rPr lang="en-US" dirty="0" smtClean="0"/>
+              <a:t>currency fluctuations: </a:t>
             </a:r>
           </a:p>
           <a:p>
@@ -1622,23 +1813,43 @@
             </a:pPr>
             <a:r>
               <a:rPr lang="en-US" baseline="0" dirty="0" smtClean="0"/>
-              <a:t>Two </a:t>
-            </a:r>
-            <a:r>
-              <a:rPr lang="en-US" baseline="0" dirty="0" smtClean="0"/>
-              <a:t>events I </a:t>
-            </a:r>
-            <a:r>
-              <a:rPr lang="en-US" baseline="0" dirty="0" smtClean="0"/>
-              <a:t>snippet from May and August </a:t>
-            </a:r>
-            <a:r>
-              <a:rPr lang="en-US" baseline="0" dirty="0" smtClean="0"/>
-              <a:t>that show big upward gain and downward losing currency purchase power</a:t>
-            </a:r>
-            <a:r>
-              <a:rPr lang="en-US" baseline="0" dirty="0" smtClean="0"/>
-              <a:t>.</a:t>
+              <a:t>Two events </a:t>
+            </a:r>
+            <a:r>
+              <a:rPr lang="en-US" baseline="0" dirty="0" smtClean="0"/>
+              <a:t>were derived from </a:t>
+            </a:r>
+            <a:r>
+              <a:rPr lang="en-US" baseline="0" dirty="0" smtClean="0"/>
+              <a:t>May and August </a:t>
+            </a:r>
+            <a:r>
+              <a:rPr lang="en-US" baseline="0" dirty="0" smtClean="0"/>
+              <a:t>to </a:t>
+            </a:r>
+            <a:r>
+              <a:rPr lang="en-US" baseline="0" dirty="0" smtClean="0"/>
+              <a:t>show </a:t>
+            </a:r>
+            <a:r>
+              <a:rPr lang="en-US" baseline="0" dirty="0" smtClean="0"/>
+              <a:t>significant </a:t>
+            </a:r>
+            <a:r>
+              <a:rPr lang="en-US" baseline="0" dirty="0" smtClean="0"/>
+              <a:t>upward </a:t>
+            </a:r>
+            <a:r>
+              <a:rPr lang="en-US" baseline="0" dirty="0" smtClean="0"/>
+              <a:t>gains </a:t>
+            </a:r>
+            <a:r>
+              <a:rPr lang="en-US" baseline="0" dirty="0" smtClean="0"/>
+              <a:t>and </a:t>
+            </a:r>
+            <a:r>
+              <a:rPr lang="en-US" baseline="0" dirty="0" smtClean="0"/>
+              <a:t>downward losses in purchasing power.  </a:t>
             </a:r>
             <a:endParaRPr lang="en-US" dirty="0" smtClean="0"/>
           </a:p>
@@ -1734,7 +1945,11 @@
             </a:r>
             <a:r>
               <a:rPr lang="en-US" baseline="0" dirty="0" smtClean="0"/>
-              <a:t> of May, </a:t>
+              <a:t> of </a:t>
+            </a:r>
+            <a:r>
+              <a:rPr lang="en-US" baseline="0" dirty="0" smtClean="0"/>
+              <a:t>May </a:t>
             </a:r>
             <a:r>
               <a:rPr lang="en-US" dirty="0" smtClean="0"/>
@@ -1750,7 +1965,15 @@
             </a:r>
             <a:r>
               <a:rPr lang="en-US" baseline="0" dirty="0" smtClean="0"/>
-              <a:t> Quarter was revised downward to -0.7%</a:t>
+              <a:t> Quarter </a:t>
+            </a:r>
+            <a:r>
+              <a:rPr lang="en-US" baseline="0" dirty="0" smtClean="0"/>
+              <a:t>fell -</a:t>
+            </a:r>
+            <a:r>
+              <a:rPr lang="en-US" baseline="0" dirty="0" smtClean="0"/>
+              <a:t>0.7%</a:t>
             </a:r>
           </a:p>
           <a:p>
@@ -1767,14 +1990,28 @@
             </a:pPr>
             <a:r>
               <a:rPr lang="en-US" baseline="0" dirty="0" smtClean="0"/>
-              <a:t>Black line represents original data set while color lines represents moving average for 2 – 6 days range.</a:t>
-            </a:r>
-          </a:p>
-          <a:p>
-            <a:pPr marL="171450" indent="-171450">
-              <a:buFontTx/>
-              <a:buChar char="-"/>
-            </a:pPr>
+              <a:t>Black line represents original data set while </a:t>
+            </a:r>
+            <a:r>
+              <a:rPr lang="en-US" baseline="0" dirty="0" smtClean="0"/>
+              <a:t>colored </a:t>
+            </a:r>
+            <a:r>
+              <a:rPr lang="en-US" baseline="0" dirty="0" smtClean="0"/>
+              <a:t>lines </a:t>
+            </a:r>
+            <a:r>
+              <a:rPr lang="en-US" baseline="0" dirty="0" smtClean="0"/>
+              <a:t>represent the moving averages </a:t>
+            </a:r>
+            <a:r>
+              <a:rPr lang="en-US" baseline="0" dirty="0" smtClean="0"/>
+              <a:t>for 2 – 6 days range</a:t>
+            </a:r>
+            <a:r>
+              <a:rPr lang="en-US" baseline="0" dirty="0" smtClean="0"/>
+              <a:t>.  </a:t>
+            </a:r>
             <a:endParaRPr lang="en-US" baseline="0" dirty="0" smtClean="0"/>
           </a:p>
           <a:p>
@@ -1881,7 +2118,15 @@
             </a:pPr>
             <a:r>
               <a:rPr lang="en-US" baseline="0" dirty="0" smtClean="0"/>
-              <a:t>Month of August, 2015: European Central Bank Chief Mario </a:t>
+              <a:t>Month of </a:t>
+            </a:r>
+            <a:r>
+              <a:rPr lang="en-US" baseline="0" dirty="0" smtClean="0"/>
+              <a:t>August </a:t>
+            </a:r>
+            <a:r>
+              <a:rPr lang="en-US" baseline="0" dirty="0" smtClean="0"/>
+              <a:t>2015: European Central Bank Chief Mario </a:t>
             </a:r>
             <a:r>
               <a:rPr lang="en-US" baseline="0" dirty="0" err="1" smtClean="0"/>
@@ -2005,7 +2250,15 @@
             </a:pPr>
             <a:r>
               <a:rPr lang="en-US" dirty="0" smtClean="0"/>
-              <a:t>This plot shows me better understanding about</a:t>
+              <a:t>This plot </a:t>
+            </a:r>
+            <a:r>
+              <a:rPr lang="en-US" dirty="0" smtClean="0"/>
+              <a:t>better demonstrates an understanding </a:t>
+            </a:r>
+            <a:r>
+              <a:rPr lang="en-US" dirty="0" smtClean="0"/>
+              <a:t>about</a:t>
             </a:r>
             <a:r>
               <a:rPr lang="en-US" baseline="0" dirty="0" smtClean="0"/>
@@ -2017,7 +2270,23 @@
             </a:r>
             <a:r>
               <a:rPr lang="en-US" baseline="0" dirty="0" smtClean="0"/>
-              <a:t> days and random signal in regard of data. </a:t>
+              <a:t> days and random </a:t>
+            </a:r>
+            <a:r>
+              <a:rPr lang="en-US" baseline="0" dirty="0" smtClean="0"/>
+              <a:t>signals with </a:t>
+            </a:r>
+            <a:r>
+              <a:rPr lang="en-US" baseline="0" dirty="0" smtClean="0"/>
+              <a:t>regard </a:t>
+            </a:r>
+            <a:r>
+              <a:rPr lang="en-US" baseline="0" dirty="0" smtClean="0"/>
+              <a:t>to analyzed </a:t>
+            </a:r>
+            <a:r>
+              <a:rPr lang="en-US" baseline="0" dirty="0" smtClean="0"/>
+              <a:t>data. </a:t>
             </a:r>
           </a:p>
           <a:p>
@@ -2040,7 +2309,39 @@
             </a:pPr>
             <a:r>
               <a:rPr lang="en-US" baseline="0" dirty="0" smtClean="0"/>
-              <a:t>** The further the plot heads, the less correlation signal it would be.</a:t>
+              <a:t>** The </a:t>
+            </a:r>
+            <a:r>
+              <a:rPr lang="en-US" baseline="0" dirty="0" smtClean="0"/>
+              <a:t>smaller </a:t>
+            </a:r>
+            <a:r>
+              <a:rPr lang="en-US" baseline="0" dirty="0" smtClean="0"/>
+              <a:t>the plot </a:t>
+            </a:r>
+            <a:r>
+              <a:rPr lang="en-US" baseline="0" dirty="0" smtClean="0"/>
+              <a:t>is, </a:t>
+            </a:r>
+            <a:r>
+              <a:rPr lang="en-US" baseline="0" dirty="0" smtClean="0"/>
+              <a:t>the </a:t>
+            </a:r>
+            <a:r>
+              <a:rPr lang="en-US" baseline="0" dirty="0" smtClean="0"/>
+              <a:t>weaker the </a:t>
+            </a:r>
+            <a:r>
+              <a:rPr lang="en-US" baseline="0" dirty="0" smtClean="0"/>
+              <a:t>correlation signal </a:t>
+            </a:r>
+            <a:r>
+              <a:rPr lang="en-US" baseline="0" dirty="0" smtClean="0"/>
+              <a:t>will </a:t>
+            </a:r>
+            <a:r>
+              <a:rPr lang="en-US" baseline="0" dirty="0" smtClean="0"/>
+              <a:t>be.</a:t>
             </a:r>
           </a:p>
           <a:p>
@@ -5437,14 +5738,22 @@
           <a:p>
             <a:r>
               <a:rPr lang="en-US" sz="6800" dirty="0" smtClean="0"/>
-              <a:t>Currency Purchase </a:t>
+              <a:t>Analyzing the Purchasing </a:t>
+            </a:r>
+            <a:r>
+              <a:rPr lang="en-US" sz="6800" dirty="0" smtClean="0"/>
+              <a:t/>
             </a:r>
             <a:br>
               <a:rPr lang="en-US" sz="6800" dirty="0" smtClean="0"/>
             </a:br>
             <a:r>
               <a:rPr lang="en-US" sz="6800" dirty="0" smtClean="0"/>
-              <a:t>Power</a:t>
+              <a:t>Power of Currency</a:t>
+            </a:r>
+            <a:r>
+              <a:rPr lang="en-US" sz="6800" dirty="0" smtClean="0"/>
+              <a:t/>
             </a:r>
             <a:br>
               <a:rPr lang="en-US" sz="6800" dirty="0" smtClean="0"/>
@@ -5546,8 +5855,8 @@
         </p:nvSpPr>
         <p:spPr>
           <a:xfrm>
-            <a:off x="457200" y="282222"/>
-            <a:ext cx="8229600" cy="1044222"/>
+            <a:off x="457200" y="142689"/>
+            <a:ext cx="8229600" cy="1183755"/>
           </a:xfrm>
         </p:spPr>
         <p:txBody>
@@ -5555,10 +5864,14 @@
           <a:lstStyle/>
           <a:p>
             <a:r>
-              <a:rPr lang="en-US" dirty="0" smtClean="0"/>
-              <a:t>Linear Regressions</a:t>
-            </a:r>
-            <a:endParaRPr lang="en-US" dirty="0"/>
+              <a:rPr lang="en-US" sz="4500" dirty="0" smtClean="0"/>
+              <a:t>Linear </a:t>
+            </a:r>
+            <a:r>
+              <a:rPr lang="en-US" sz="4500" dirty="0" smtClean="0"/>
+              <a:t>Regression Comparison</a:t>
+            </a:r>
+            <a:endParaRPr lang="en-US" sz="4500" dirty="0"/>
           </a:p>
         </p:txBody>
       </p:sp>
@@ -5638,11 +5951,49 @@
         </p:blipFill>
         <p:spPr>
           <a:xfrm>
-            <a:off x="457200" y="479778"/>
+            <a:off x="457200" y="622467"/>
             <a:ext cx="8229600" cy="5646385"/>
           </a:xfrm>
         </p:spPr>
       </p:pic>
+      <p:sp>
+        <p:nvSpPr>
+          <p:cNvPr id="5" name="Left Arrow 4"/>
+          <p:cNvSpPr/>
+          <p:nvPr/>
+        </p:nvSpPr>
+        <p:spPr>
+          <a:xfrm rot="12241669">
+            <a:off x="6750077" y="689362"/>
+            <a:ext cx="1141662" cy="419164"/>
+          </a:xfrm>
+          <a:prstGeom prst="leftArrow">
+            <a:avLst/>
+          </a:prstGeom>
+        </p:spPr>
+        <p:style>
+          <a:lnRef idx="1">
+            <a:schemeClr val="accent3"/>
+          </a:lnRef>
+          <a:fillRef idx="3">
+            <a:schemeClr val="accent3"/>
+          </a:fillRef>
+          <a:effectRef idx="2">
+            <a:schemeClr val="accent3"/>
+          </a:effectRef>
+          <a:fontRef idx="minor">
+            <a:schemeClr val="lt1"/>
+          </a:fontRef>
+        </p:style>
+        <p:txBody>
+          <a:bodyPr rtlCol="0" anchor="ctr"/>
+          <a:lstStyle/>
+          <a:p>
+            <a:pPr algn="ctr"/>
+            <a:endParaRPr lang="en-US"/>
+          </a:p>
+        </p:txBody>
+      </p:sp>
     </p:spTree>
     <p:extLst>
       <p:ext uri="{BB962C8B-B14F-4D97-AF65-F5344CB8AC3E}">
@@ -5816,8 +6167,9 @@
           <a:p>
             <a:r>
               <a:rPr lang="en-US" dirty="0" smtClean="0"/>
-              <a:t>Suggestion</a:t>
-            </a:r>
+              <a:t>Suggestions</a:t>
+            </a:r>
+            <a:endParaRPr lang="en-US" dirty="0" smtClean="0"/>
           </a:p>
           <a:p>
             <a:pPr lvl="1"/>
@@ -5827,11 +6179,7 @@
             </a:r>
             <a:r>
               <a:rPr lang="en-US" dirty="0" smtClean="0"/>
-              <a:t>various</a:t>
-            </a:r>
-            <a:r>
-              <a:rPr lang="en-US" dirty="0" smtClean="0"/>
-              <a:t> </a:t>
+              <a:t>various </a:t>
             </a:r>
             <a:r>
               <a:rPr lang="en-US" dirty="0"/>
@@ -5849,15 +6197,7 @@
             <a:pPr lvl="2"/>
             <a:r>
               <a:rPr lang="en-US" dirty="0" smtClean="0"/>
-              <a:t>Time </a:t>
-            </a:r>
-            <a:r>
-              <a:rPr lang="en-US" dirty="0" smtClean="0"/>
-              <a:t>Series and Holt-Winters </a:t>
-            </a:r>
-            <a:r>
-              <a:rPr lang="en-US" dirty="0" smtClean="0"/>
-              <a:t>Forecasting</a:t>
+              <a:t>Time Series and Holt-Winters Forecasting</a:t>
             </a:r>
           </a:p>
           <a:p>
@@ -5870,17 +6210,12 @@
               <a:rPr lang="en-US" dirty="0" smtClean="0"/>
               <a:t>EWMA</a:t>
             </a:r>
-            <a:endParaRPr lang="en-US" dirty="0" smtClean="0"/>
           </a:p>
           <a:p>
             <a:pPr lvl="2"/>
             <a:r>
               <a:rPr lang="en-US" dirty="0" smtClean="0"/>
-              <a:t>Autoregressive </a:t>
-            </a:r>
-            <a:r>
-              <a:rPr lang="en-US" dirty="0" smtClean="0"/>
-              <a:t>Integrated Moving Average (ARIMA)</a:t>
+              <a:t>Autoregressive Integrated Moving Average (ARIMA)</a:t>
             </a:r>
             <a:endParaRPr lang="en-US" dirty="0"/>
           </a:p>
@@ -5974,8 +6309,9 @@
           <a:p>
             <a:r>
               <a:rPr lang="en-US" sz="2800" dirty="0" smtClean="0"/>
-              <a:t>Currency:</a:t>
-            </a:r>
+              <a:t>Currency Analysis:</a:t>
+            </a:r>
+            <a:endParaRPr lang="en-US" sz="2800" dirty="0" smtClean="0"/>
           </a:p>
           <a:p>
             <a:pPr lvl="1"/>
@@ -6005,15 +6341,23 @@
           <a:p>
             <a:r>
               <a:rPr lang="en-US" sz="2800" dirty="0" smtClean="0"/>
-              <a:t>Track </a:t>
+              <a:t>The goal is to track </a:t>
             </a:r>
             <a:r>
               <a:rPr lang="en-US" sz="2800" dirty="0"/>
-              <a:t>the purchase power of </a:t>
+              <a:t>the </a:t>
             </a:r>
             <a:r>
               <a:rPr lang="en-US" sz="2800" dirty="0" smtClean="0"/>
-              <a:t>currencies </a:t>
+              <a:t>purchasing </a:t>
+            </a:r>
+            <a:r>
+              <a:rPr lang="en-US" sz="2800" dirty="0"/>
+              <a:t>power of </a:t>
+            </a:r>
+            <a:r>
+              <a:rPr lang="en-US" sz="2800" dirty="0" smtClean="0"/>
+              <a:t>different currencies </a:t>
             </a:r>
             <a:r>
               <a:rPr lang="en-US" sz="2800" dirty="0"/>
@@ -6030,7 +6374,19 @@
           <a:p>
             <a:r>
               <a:rPr lang="en-US" sz="2800" dirty="0" smtClean="0"/>
-              <a:t>Obtained currency data of 5 years and 6 months with Gold based (XAU)</a:t>
+              <a:t>Currency data is obtained from 5 </a:t>
+            </a:r>
+            <a:r>
+              <a:rPr lang="en-US" sz="2800" dirty="0" smtClean="0"/>
+              <a:t>years and 6 months </a:t>
+            </a:r>
+            <a:r>
+              <a:rPr lang="en-US" sz="2800" dirty="0" smtClean="0"/>
+              <a:t>worth of value based on gold (</a:t>
+            </a:r>
+            <a:r>
+              <a:rPr lang="en-US" sz="2800" dirty="0" smtClean="0"/>
+              <a:t>XAU)</a:t>
             </a:r>
             <a:endParaRPr lang="en-US" sz="2800" dirty="0"/>
           </a:p>
@@ -6546,6 +6902,34 @@
           <a:chExt cx="0" cy="0"/>
         </a:xfrm>
       </p:grpSpPr>
+      <p:sp>
+        <p:nvSpPr>
+          <p:cNvPr id="2" name="Title 1"/>
+          <p:cNvSpPr>
+            <a:spLocks noGrp="1"/>
+          </p:cNvSpPr>
+          <p:nvPr>
+            <p:ph type="title"/>
+          </p:nvPr>
+        </p:nvSpPr>
+        <p:spPr>
+          <a:xfrm>
+            <a:off x="457200" y="256841"/>
+            <a:ext cx="8229600" cy="1127244"/>
+          </a:xfrm>
+        </p:spPr>
+        <p:txBody>
+          <a:bodyPr/>
+          <a:lstStyle/>
+          <a:p>
+            <a:r>
+              <a:rPr lang="en-US" dirty="0" smtClean="0"/>
+              <a:t>May 2015</a:t>
+            </a:r>
+            <a:endParaRPr lang="en-US" dirty="0"/>
+          </a:p>
+        </p:txBody>
+      </p:sp>
       <p:pic>
         <p:nvPicPr>
           <p:cNvPr id="4" name="Content Placeholder 3" descr="May.jpg"/>
@@ -6567,12 +6951,7 @@
           <a:srcRect/>
           <a:stretch/>
         </p:blipFill>
-        <p:spPr>
-          <a:xfrm>
-            <a:off x="457200" y="825500"/>
-            <a:ext cx="8229600" cy="5300663"/>
-          </a:xfrm>
-        </p:spPr>
+        <p:spPr/>
       </p:pic>
     </p:spTree>
     <p:extLst>
@@ -6604,6 +6983,34 @@
           <a:chExt cx="0" cy="0"/>
         </a:xfrm>
       </p:grpSpPr>
+      <p:sp>
+        <p:nvSpPr>
+          <p:cNvPr id="2" name="Title 1"/>
+          <p:cNvSpPr>
+            <a:spLocks noGrp="1"/>
+          </p:cNvSpPr>
+          <p:nvPr>
+            <p:ph type="title"/>
+          </p:nvPr>
+        </p:nvSpPr>
+        <p:spPr>
+          <a:xfrm>
+            <a:off x="457200" y="171226"/>
+            <a:ext cx="8229600" cy="1084438"/>
+          </a:xfrm>
+        </p:spPr>
+        <p:txBody>
+          <a:bodyPr/>
+          <a:lstStyle/>
+          <a:p>
+            <a:r>
+              <a:rPr lang="en-US" dirty="0" smtClean="0"/>
+              <a:t>August 2015</a:t>
+            </a:r>
+            <a:endParaRPr lang="en-US" dirty="0"/>
+          </a:p>
+        </p:txBody>
+      </p:sp>
       <p:pic>
         <p:nvPicPr>
           <p:cNvPr id="4" name="Content Placeholder 3" descr="Aug.jpg"/>
@@ -6627,8 +7034,8 @@
         </p:blipFill>
         <p:spPr>
           <a:xfrm>
-            <a:off x="457200" y="805925"/>
-            <a:ext cx="8229600" cy="5185917"/>
+            <a:off x="457200" y="1469700"/>
+            <a:ext cx="8229600" cy="4656464"/>
           </a:xfrm>
         </p:spPr>
       </p:pic>
@@ -6669,6 +7076,34 @@
           <a:chExt cx="0" cy="0"/>
         </a:xfrm>
       </p:grpSpPr>
+      <p:sp>
+        <p:nvSpPr>
+          <p:cNvPr id="2" name="Title 1"/>
+          <p:cNvSpPr>
+            <a:spLocks noGrp="1"/>
+          </p:cNvSpPr>
+          <p:nvPr>
+            <p:ph type="title"/>
+          </p:nvPr>
+        </p:nvSpPr>
+        <p:spPr>
+          <a:xfrm>
+            <a:off x="457200" y="156958"/>
+            <a:ext cx="8229600" cy="1343359"/>
+          </a:xfrm>
+        </p:spPr>
+        <p:txBody>
+          <a:bodyPr/>
+          <a:lstStyle/>
+          <a:p>
+            <a:r>
+              <a:rPr lang="en-US" dirty="0" smtClean="0"/>
+              <a:t>Autocorrelation</a:t>
+            </a:r>
+            <a:endParaRPr lang="en-US" dirty="0"/>
+          </a:p>
+        </p:txBody>
+      </p:sp>
       <p:pic>
         <p:nvPicPr>
           <p:cNvPr id="4" name="Content Placeholder 3" descr="Screen Shot 2015-12-01 at 12.59.31 PM.png"/>
@@ -6690,12 +7125,7 @@
           <a:srcRect/>
           <a:stretch/>
         </p:blipFill>
-        <p:spPr>
-          <a:xfrm>
-            <a:off x="457200" y="609600"/>
-            <a:ext cx="8229600" cy="5410200"/>
-          </a:xfrm>
-        </p:spPr>
+        <p:spPr/>
       </p:pic>
     </p:spTree>
     <p:extLst>

--- a/DS_Project/JLiang_XAU.pptx
+++ b/DS_Project/JLiang_XAU.pptx
@@ -204,7 +204,7 @@
           <a:p>
             <a:fld id="{4C63A505-E245-5941-B3E0-568489354C91}" type="datetimeFigureOut">
               <a:rPr lang="en-US" smtClean="0"/>
-              <a:t>12/1/15</a:t>
+              <a:t>12/2/15</a:t>
             </a:fld>
             <a:endParaRPr lang="en-US"/>
           </a:p>
@@ -733,31 +733,11 @@
             </a:r>
             <a:r>
               <a:rPr lang="en-US" dirty="0" smtClean="0"/>
-              <a:t> </a:t>
-            </a:r>
-            <a:r>
-              <a:rPr lang="en-US" dirty="0" smtClean="0"/>
-              <a:t>R-Squared</a:t>
+              <a:t> R-Squared</a:t>
             </a:r>
             <a:r>
               <a:rPr lang="en-US" baseline="0" dirty="0" smtClean="0"/>
-              <a:t> was high </a:t>
-            </a:r>
-            <a:r>
-              <a:rPr lang="en-US" baseline="0" dirty="0" smtClean="0"/>
-              <a:t>and resulted in better </a:t>
-            </a:r>
-            <a:r>
-              <a:rPr lang="en-US" baseline="0" dirty="0" smtClean="0"/>
-              <a:t>variability between </a:t>
-            </a:r>
-            <a:r>
-              <a:rPr lang="en-US" baseline="0" dirty="0" smtClean="0"/>
-              <a:t>EUR/USD </a:t>
-            </a:r>
-            <a:r>
-              <a:rPr lang="en-US" baseline="0" dirty="0" smtClean="0"/>
-              <a:t>and Moving Averages data.</a:t>
+              <a:t> was high and resulted in better variability between EUR/USD and Moving Averages data.</a:t>
             </a:r>
           </a:p>
           <a:p>
@@ -850,11 +830,7 @@
           <a:p>
             <a:r>
               <a:rPr lang="en-US" dirty="0" smtClean="0"/>
-              <a:t>Conclusion</a:t>
-            </a:r>
-            <a:r>
-              <a:rPr lang="en-US" dirty="0" smtClean="0"/>
-              <a:t>:</a:t>
+              <a:t>Conclusion:</a:t>
             </a:r>
           </a:p>
           <a:p>
@@ -867,23 +843,11 @@
             </a:r>
             <a:r>
               <a:rPr lang="en-US" baseline="0" dirty="0" smtClean="0"/>
-              <a:t> </a:t>
-            </a:r>
-            <a:r>
-              <a:rPr lang="en-US" baseline="0" dirty="0" smtClean="0"/>
-              <a:t>the </a:t>
-            </a:r>
-            <a:r>
-              <a:rPr lang="en-US" dirty="0" smtClean="0"/>
-              <a:t>Linear </a:t>
-            </a:r>
-            <a:r>
-              <a:rPr lang="en-US" dirty="0" smtClean="0"/>
-              <a:t>Regression would give better insight with </a:t>
-            </a:r>
-            <a:r>
-              <a:rPr lang="en-US" dirty="0" smtClean="0"/>
-              <a:t>analyzing the purchasing power of currency. </a:t>
+              <a:t> the </a:t>
+            </a:r>
+            <a:r>
+              <a:rPr lang="en-US" dirty="0" smtClean="0"/>
+              <a:t>Linear Regression would give better insight with analyzing the purchasing power of currency. </a:t>
             </a:r>
           </a:p>
           <a:p>
@@ -988,15 +952,7 @@
             </a:r>
             <a:r>
               <a:rPr lang="en-US" baseline="0" dirty="0" smtClean="0"/>
-              <a:t>suggestions </a:t>
-            </a:r>
-            <a:r>
-              <a:rPr lang="en-US" baseline="0" dirty="0" smtClean="0"/>
-              <a:t>shared </a:t>
-            </a:r>
-            <a:r>
-              <a:rPr lang="en-US" baseline="0" dirty="0" smtClean="0"/>
-              <a:t>from the EIC include checking out the aforementioned application models as there are many possible uses for this particular project. </a:t>
+              <a:t>suggestions shared from the EIC include checking out the aforementioned application models as there are many possible uses for this particular project. </a:t>
             </a:r>
           </a:p>
           <a:p>
@@ -1335,17 +1291,52 @@
             <a:endParaRPr lang="en-US" baseline="0" dirty="0" smtClean="0"/>
           </a:p>
           <a:p>
+            <a:pPr marL="0" marR="0" indent="0" algn="l" defTabSz="457200" rtl="0" eaLnBrk="1" fontAlgn="auto" latinLnBrk="0" hangingPunct="1">
+              <a:lnSpc>
+                <a:spcPct val="100000"/>
+              </a:lnSpc>
+              <a:spcBef>
+                <a:spcPts val="0"/>
+              </a:spcBef>
+              <a:spcAft>
+                <a:spcPts val="0"/>
+              </a:spcAft>
+              <a:buClrTx/>
+              <a:buSzTx/>
+              <a:buFontTx/>
+              <a:buNone/>
+              <a:tabLst/>
+              <a:defRPr/>
+            </a:pPr>
             <a:r>
               <a:rPr lang="en-US" baseline="0" dirty="0" smtClean="0"/>
-              <a:t>The </a:t>
-            </a:r>
+              <a:t>Econometric Models: Equation created by economic experts</a:t>
+            </a:r>
+          </a:p>
+          <a:p>
+            <a:pPr marL="0" marR="0" indent="0" algn="l" defTabSz="457200" rtl="0" eaLnBrk="1" fontAlgn="auto" latinLnBrk="0" hangingPunct="1">
+              <a:lnSpc>
+                <a:spcPct val="100000"/>
+              </a:lnSpc>
+              <a:spcBef>
+                <a:spcPts val="0"/>
+              </a:spcBef>
+              <a:spcAft>
+                <a:spcPts val="0"/>
+              </a:spcAft>
+              <a:buClrTx/>
+              <a:buSzTx/>
+              <a:buFontTx/>
+              <a:buNone/>
+              <a:tabLst/>
+              <a:defRPr/>
+            </a:pPr>
+            <a:endParaRPr lang="en-US" baseline="0" dirty="0" smtClean="0"/>
+          </a:p>
+          <a:p>
             <a:r>
               <a:rPr lang="en-US" baseline="0" dirty="0" smtClean="0"/>
-              <a:t>Time Series </a:t>
-            </a:r>
-            <a:r>
-              <a:rPr lang="en-US" baseline="0" dirty="0" smtClean="0"/>
-              <a:t>Model is selected to evaluate complex and significant data over time. </a:t>
+              <a:t>The Time Series Model is selected to evaluate complex and significant data over time. </a:t>
             </a:r>
             <a:endParaRPr lang="en-US" dirty="0"/>
           </a:p>
@@ -1451,15 +1442,7 @@
             </a:pPr>
             <a:r>
               <a:rPr lang="en-US" baseline="0" dirty="0" smtClean="0"/>
-              <a:t>Remark: Fill in nulls for XEUR data when </a:t>
-            </a:r>
-            <a:r>
-              <a:rPr lang="en-US" baseline="0" dirty="0" smtClean="0"/>
-              <a:t>shifting the </a:t>
-            </a:r>
-            <a:r>
-              <a:rPr lang="en-US" baseline="0" dirty="0" smtClean="0"/>
-              <a:t>data to line up with EURUSD</a:t>
+              <a:t>Remark: Fill in nulls for XEUR data when shifting the data to line up with EURUSD</a:t>
             </a:r>
           </a:p>
           <a:p>
@@ -1469,27 +1452,7 @@
             </a:pPr>
             <a:r>
               <a:rPr lang="en-US" baseline="0" dirty="0" smtClean="0"/>
-              <a:t>EUR</a:t>
-            </a:r>
-            <a:r>
-              <a:rPr lang="en-US" baseline="0" dirty="0" smtClean="0"/>
-              <a:t>/</a:t>
-            </a:r>
-            <a:r>
-              <a:rPr lang="en-US" baseline="0" dirty="0" smtClean="0"/>
-              <a:t>USD is selected as the main </a:t>
-            </a:r>
-            <a:r>
-              <a:rPr lang="en-US" baseline="0" dirty="0" smtClean="0"/>
-              <a:t>focus </a:t>
-            </a:r>
-            <a:r>
-              <a:rPr lang="en-US" baseline="0" dirty="0" smtClean="0"/>
-              <a:t>and will be explained </a:t>
-            </a:r>
-            <a:r>
-              <a:rPr lang="en-US" baseline="0" dirty="0" smtClean="0"/>
-              <a:t>in later slides.</a:t>
+              <a:t>EUR/USD is selected as the main focus and will be explained in later slides.</a:t>
             </a:r>
           </a:p>
           <a:p>
@@ -1499,21 +1462,8 @@
             </a:pPr>
             <a:r>
               <a:rPr lang="en-US" baseline="0" dirty="0" smtClean="0"/>
-              <a:t>XEUR2 and XEUR3 </a:t>
-            </a:r>
-            <a:r>
-              <a:rPr lang="en-US" baseline="0" dirty="0" smtClean="0"/>
-              <a:t>provided </a:t>
-            </a:r>
-            <a:r>
-              <a:rPr lang="en-US" baseline="0" dirty="0" smtClean="0"/>
-              <a:t>the most close correlations for </a:t>
-            </a:r>
-            <a:r>
-              <a:rPr lang="en-US" baseline="0" dirty="0" smtClean="0"/>
-              <a:t>a few of the models worked on.</a:t>
-            </a:r>
-            <a:endParaRPr lang="en-US" baseline="0" dirty="0" smtClean="0"/>
+              <a:t>XEUR2 and XEUR3 provided the most close correlations for a few of the models worked on.</a:t>
+            </a:r>
           </a:p>
         </p:txBody>
       </p:sp>
@@ -1718,15 +1668,7 @@
             </a:pPr>
             <a:r>
               <a:rPr lang="en-US" dirty="0" smtClean="0"/>
-              <a:t>Possible Key Events which may </a:t>
-            </a:r>
-            <a:r>
-              <a:rPr lang="en-US" dirty="0" smtClean="0"/>
-              <a:t>result in </a:t>
-            </a:r>
-            <a:r>
-              <a:rPr lang="en-US" dirty="0" smtClean="0"/>
-              <a:t>currency fluctuations: </a:t>
+              <a:t>Possible Key Events which may result in currency fluctuations: </a:t>
             </a:r>
           </a:p>
           <a:p>
@@ -1813,43 +1755,7 @@
             </a:pPr>
             <a:r>
               <a:rPr lang="en-US" baseline="0" dirty="0" smtClean="0"/>
-              <a:t>Two events </a:t>
-            </a:r>
-            <a:r>
-              <a:rPr lang="en-US" baseline="0" dirty="0" smtClean="0"/>
-              <a:t>were derived from </a:t>
-            </a:r>
-            <a:r>
-              <a:rPr lang="en-US" baseline="0" dirty="0" smtClean="0"/>
-              <a:t>May and August </a:t>
-            </a:r>
-            <a:r>
-              <a:rPr lang="en-US" baseline="0" dirty="0" smtClean="0"/>
-              <a:t>to </a:t>
-            </a:r>
-            <a:r>
-              <a:rPr lang="en-US" baseline="0" dirty="0" smtClean="0"/>
-              <a:t>show </a:t>
-            </a:r>
-            <a:r>
-              <a:rPr lang="en-US" baseline="0" dirty="0" smtClean="0"/>
-              <a:t>significant </a:t>
-            </a:r>
-            <a:r>
-              <a:rPr lang="en-US" baseline="0" dirty="0" smtClean="0"/>
-              <a:t>upward </a:t>
-            </a:r>
-            <a:r>
-              <a:rPr lang="en-US" baseline="0" dirty="0" smtClean="0"/>
-              <a:t>gains </a:t>
-            </a:r>
-            <a:r>
-              <a:rPr lang="en-US" baseline="0" dirty="0" smtClean="0"/>
-              <a:t>and </a:t>
-            </a:r>
-            <a:r>
-              <a:rPr lang="en-US" baseline="0" dirty="0" smtClean="0"/>
-              <a:t>downward losses in purchasing power.  </a:t>
+              <a:t>Two events were derived from May and August to show significant upward gains and downward losses in purchasing power.  </a:t>
             </a:r>
             <a:endParaRPr lang="en-US" dirty="0" smtClean="0"/>
           </a:p>
@@ -1945,11 +1851,7 @@
             </a:r>
             <a:r>
               <a:rPr lang="en-US" baseline="0" dirty="0" smtClean="0"/>
-              <a:t> of </a:t>
-            </a:r>
-            <a:r>
-              <a:rPr lang="en-US" baseline="0" dirty="0" smtClean="0"/>
-              <a:t>May </a:t>
+              <a:t> of May </a:t>
             </a:r>
             <a:r>
               <a:rPr lang="en-US" dirty="0" smtClean="0"/>
@@ -1965,15 +1867,7 @@
             </a:r>
             <a:r>
               <a:rPr lang="en-US" baseline="0" dirty="0" smtClean="0"/>
-              <a:t> Quarter </a:t>
-            </a:r>
-            <a:r>
-              <a:rPr lang="en-US" baseline="0" dirty="0" smtClean="0"/>
-              <a:t>fell -</a:t>
-            </a:r>
-            <a:r>
-              <a:rPr lang="en-US" baseline="0" dirty="0" smtClean="0"/>
-              <a:t>0.7%</a:t>
+              <a:t> Quarter fell -0.7%</a:t>
             </a:r>
           </a:p>
           <a:p>
@@ -1990,29 +1884,8 @@
             </a:pPr>
             <a:r>
               <a:rPr lang="en-US" baseline="0" dirty="0" smtClean="0"/>
-              <a:t>Black line represents original data set while </a:t>
-            </a:r>
-            <a:r>
-              <a:rPr lang="en-US" baseline="0" dirty="0" smtClean="0"/>
-              <a:t>colored </a:t>
-            </a:r>
-            <a:r>
-              <a:rPr lang="en-US" baseline="0" dirty="0" smtClean="0"/>
-              <a:t>lines </a:t>
-            </a:r>
-            <a:r>
-              <a:rPr lang="en-US" baseline="0" dirty="0" smtClean="0"/>
-              <a:t>represent the moving averages </a:t>
-            </a:r>
-            <a:r>
-              <a:rPr lang="en-US" baseline="0" dirty="0" smtClean="0"/>
-              <a:t>for 2 – 6 days range</a:t>
-            </a:r>
-            <a:r>
-              <a:rPr lang="en-US" baseline="0" dirty="0" smtClean="0"/>
-              <a:t>.  </a:t>
-            </a:r>
-            <a:endParaRPr lang="en-US" baseline="0" dirty="0" smtClean="0"/>
+              <a:t>Black line represents original data set while colored lines represent the moving averages for 2 – 6 days range.  </a:t>
+            </a:r>
           </a:p>
           <a:p>
             <a:endParaRPr lang="en-US" dirty="0"/>
@@ -2118,15 +1991,7 @@
             </a:pPr>
             <a:r>
               <a:rPr lang="en-US" baseline="0" dirty="0" smtClean="0"/>
-              <a:t>Month of </a:t>
-            </a:r>
-            <a:r>
-              <a:rPr lang="en-US" baseline="0" dirty="0" smtClean="0"/>
-              <a:t>August </a:t>
-            </a:r>
-            <a:r>
-              <a:rPr lang="en-US" baseline="0" dirty="0" smtClean="0"/>
-              <a:t>2015: European Central Bank Chief Mario </a:t>
+              <a:t>Month of August 2015: European Central Bank Chief Mario </a:t>
             </a:r>
             <a:r>
               <a:rPr lang="en-US" baseline="0" dirty="0" err="1" smtClean="0"/>
@@ -2250,15 +2115,7 @@
             </a:pPr>
             <a:r>
               <a:rPr lang="en-US" dirty="0" smtClean="0"/>
-              <a:t>This plot </a:t>
-            </a:r>
-            <a:r>
-              <a:rPr lang="en-US" dirty="0" smtClean="0"/>
-              <a:t>better demonstrates an understanding </a:t>
-            </a:r>
-            <a:r>
-              <a:rPr lang="en-US" dirty="0" smtClean="0"/>
-              <a:t>about</a:t>
+              <a:t>This plot better demonstrates an understanding about</a:t>
             </a:r>
             <a:r>
               <a:rPr lang="en-US" baseline="0" dirty="0" smtClean="0"/>
@@ -2270,23 +2127,7 @@
             </a:r>
             <a:r>
               <a:rPr lang="en-US" baseline="0" dirty="0" smtClean="0"/>
-              <a:t> days and random </a:t>
-            </a:r>
-            <a:r>
-              <a:rPr lang="en-US" baseline="0" dirty="0" smtClean="0"/>
-              <a:t>signals with </a:t>
-            </a:r>
-            <a:r>
-              <a:rPr lang="en-US" baseline="0" dirty="0" smtClean="0"/>
-              <a:t>regard </a:t>
-            </a:r>
-            <a:r>
-              <a:rPr lang="en-US" baseline="0" dirty="0" smtClean="0"/>
-              <a:t>to analyzed </a:t>
-            </a:r>
-            <a:r>
-              <a:rPr lang="en-US" baseline="0" dirty="0" smtClean="0"/>
-              <a:t>data. </a:t>
+              <a:t> days and random signals with regard to analyzed data. </a:t>
             </a:r>
           </a:p>
           <a:p>
@@ -2309,39 +2150,7 @@
             </a:pPr>
             <a:r>
               <a:rPr lang="en-US" baseline="0" dirty="0" smtClean="0"/>
-              <a:t>** The </a:t>
-            </a:r>
-            <a:r>
-              <a:rPr lang="en-US" baseline="0" dirty="0" smtClean="0"/>
-              <a:t>smaller </a:t>
-            </a:r>
-            <a:r>
-              <a:rPr lang="en-US" baseline="0" dirty="0" smtClean="0"/>
-              <a:t>the plot </a:t>
-            </a:r>
-            <a:r>
-              <a:rPr lang="en-US" baseline="0" dirty="0" smtClean="0"/>
-              <a:t>is, </a:t>
-            </a:r>
-            <a:r>
-              <a:rPr lang="en-US" baseline="0" dirty="0" smtClean="0"/>
-              <a:t>the </a:t>
-            </a:r>
-            <a:r>
-              <a:rPr lang="en-US" baseline="0" dirty="0" smtClean="0"/>
-              <a:t>weaker the </a:t>
-            </a:r>
-            <a:r>
-              <a:rPr lang="en-US" baseline="0" dirty="0" smtClean="0"/>
-              <a:t>correlation signal </a:t>
-            </a:r>
-            <a:r>
-              <a:rPr lang="en-US" baseline="0" dirty="0" smtClean="0"/>
-              <a:t>will </a:t>
-            </a:r>
-            <a:r>
-              <a:rPr lang="en-US" baseline="0" dirty="0" smtClean="0"/>
-              <a:t>be.</a:t>
+              <a:t>** The smaller the plot is, the weaker the correlation signal will be.</a:t>
             </a:r>
           </a:p>
           <a:p>
@@ -2617,7 +2426,7 @@
           <a:p>
             <a:fld id="{216C5678-EE20-4FA5-88E2-6E0BD67A2E26}" type="datetime1">
               <a:rPr lang="en-US" smtClean="0"/>
-              <a:t>12/1/15</a:t>
+              <a:t>12/2/15</a:t>
             </a:fld>
             <a:endParaRPr lang="en-US" dirty="0"/>
           </a:p>
@@ -2787,7 +2596,7 @@
           <a:p>
             <a:fld id="{EA051B39-B140-43FE-96DB-472A2B59CE7C}" type="datetime1">
               <a:rPr lang="en-US" smtClean="0"/>
-              <a:t>12/1/15</a:t>
+              <a:t>12/2/15</a:t>
             </a:fld>
             <a:endParaRPr lang="en-US"/>
           </a:p>
@@ -2967,7 +2776,7 @@
           <a:p>
             <a:fld id="{DA600BB2-27C5-458B-ABCE-839C88CF47CE}" type="datetime1">
               <a:rPr lang="en-US" smtClean="0"/>
-              <a:t>12/1/15</a:t>
+              <a:t>12/2/15</a:t>
             </a:fld>
             <a:endParaRPr lang="en-US"/>
           </a:p>
@@ -3155,7 +2964,7 @@
           <a:p>
             <a:fld id="{B11D738E-8962-435F-8C43-147B8DD7E819}" type="datetime1">
               <a:rPr lang="en-US" smtClean="0"/>
-              <a:t>12/1/15</a:t>
+              <a:t>12/2/15</a:t>
             </a:fld>
             <a:endParaRPr lang="en-US"/>
           </a:p>
@@ -3422,7 +3231,7 @@
           <a:p>
             <a:fld id="{09CAEA93-55E7-4DA9-90C2-089A26EEFEC4}" type="datetime1">
               <a:rPr lang="en-US" smtClean="0"/>
-              <a:t>12/1/15</a:t>
+              <a:t>12/2/15</a:t>
             </a:fld>
             <a:endParaRPr lang="en-US"/>
           </a:p>
@@ -3775,7 +3584,7 @@
           <a:p>
             <a:fld id="{E34CF3C7-6809-4F39-BD67-A75817BDDE0A}" type="datetime1">
               <a:rPr lang="en-US" smtClean="0"/>
-              <a:t>12/1/15</a:t>
+              <a:t>12/2/15</a:t>
             </a:fld>
             <a:endParaRPr lang="en-US"/>
           </a:p>
@@ -4088,7 +3897,7 @@
           <a:p>
             <a:fld id="{F7EAEB24-CE78-465C-A726-91D0868FA48F}" type="datetime1">
               <a:rPr lang="en-US" smtClean="0"/>
-              <a:t>12/1/15</a:t>
+              <a:t>12/2/15</a:t>
             </a:fld>
             <a:endParaRPr lang="en-US"/>
           </a:p>
@@ -4320,7 +4129,7 @@
           <a:p>
             <a:fld id="{40BAADF0-1749-4E8B-9691-B44A5F8C0895}" type="datetime1">
               <a:rPr lang="en-US" smtClean="0"/>
-              <a:t>12/1/15</a:t>
+              <a:t>12/2/15</a:t>
             </a:fld>
             <a:endParaRPr lang="en-US"/>
           </a:p>
@@ -4415,7 +4224,7 @@
           <a:p>
             <a:fld id="{A8AF628A-A867-4937-BBE5-207DB6F9C51A}" type="datetime1">
               <a:rPr lang="en-US" smtClean="0"/>
-              <a:t>12/1/15</a:t>
+              <a:t>12/2/15</a:t>
             </a:fld>
             <a:endParaRPr lang="en-US"/>
           </a:p>
@@ -4708,7 +4517,7 @@
           <a:p>
             <a:fld id="{118BBB94-68E6-4675-A946-F1C5994EDBD7}" type="datetime1">
               <a:rPr lang="en-US" smtClean="0"/>
-              <a:t>12/1/15</a:t>
+              <a:t>12/2/15</a:t>
             </a:fld>
             <a:endParaRPr lang="en-US"/>
           </a:p>
@@ -4982,7 +4791,7 @@
           <a:p>
             <a:fld id="{DC3B8377-21E3-4835-B75D-4E2847E2750F}" type="datetime1">
               <a:rPr lang="en-US" smtClean="0"/>
-              <a:t>12/1/15</a:t>
+              <a:t>12/2/15</a:t>
             </a:fld>
             <a:endParaRPr lang="en-US"/>
           </a:p>
@@ -5197,7 +5006,7 @@
           <a:p>
             <a:fld id="{B0C4986D-6BE9-4264-908F-02DB36FD8D6C}" type="datetime1">
               <a:rPr lang="en-US" smtClean="0"/>
-              <a:t>12/1/15</a:t>
+              <a:t>12/2/15</a:t>
             </a:fld>
             <a:endParaRPr lang="en-US" dirty="0"/>
           </a:p>
@@ -5740,20 +5549,12 @@
               <a:rPr lang="en-US" sz="6800" dirty="0" smtClean="0"/>
               <a:t>Analyzing the Purchasing </a:t>
             </a:r>
-            <a:r>
-              <a:rPr lang="en-US" sz="6800" dirty="0" smtClean="0"/>
-              <a:t/>
-            </a:r>
             <a:br>
               <a:rPr lang="en-US" sz="6800" dirty="0" smtClean="0"/>
             </a:br>
             <a:r>
               <a:rPr lang="en-US" sz="6800" dirty="0" smtClean="0"/>
               <a:t>Power of Currency</a:t>
-            </a:r>
-            <a:r>
-              <a:rPr lang="en-US" sz="6800" dirty="0" smtClean="0"/>
-              <a:t/>
             </a:r>
             <a:br>
               <a:rPr lang="en-US" sz="6800" dirty="0" smtClean="0"/>
@@ -5823,6 +5624,13 @@
   <p:clrMapOvr>
     <a:masterClrMapping/>
   </p:clrMapOvr>
+  <p:timing>
+    <p:tnLst>
+      <p:par>
+        <p:cTn xmlns:p14="http://schemas.microsoft.com/office/powerpoint/2010/main" id="1" dur="indefinite" restart="never" nodeType="tmRoot"/>
+      </p:par>
+    </p:tnLst>
+  </p:timing>
 </p:sld>
 </file>
 
@@ -5865,11 +5673,7 @@
           <a:p>
             <a:r>
               <a:rPr lang="en-US" sz="4500" dirty="0" smtClean="0"/>
-              <a:t>Linear </a:t>
-            </a:r>
-            <a:r>
-              <a:rPr lang="en-US" sz="4500" dirty="0" smtClean="0"/>
-              <a:t>Regression Comparison</a:t>
+              <a:t>Linear Regression Comparison</a:t>
             </a:r>
             <a:endParaRPr lang="en-US" sz="4500" dirty="0"/>
           </a:p>
@@ -5908,6 +5712,13 @@
   <p:clrMapOvr>
     <a:masterClrMapping/>
   </p:clrMapOvr>
+  <p:timing>
+    <p:tnLst>
+      <p:par>
+        <p:cTn xmlns:p14="http://schemas.microsoft.com/office/powerpoint/2010/main" id="1" dur="indefinite" restart="never" nodeType="tmRoot"/>
+      </p:par>
+    </p:tnLst>
+  </p:timing>
 </p:sld>
 </file>
 
@@ -6004,6 +5815,13 @@
   <p:clrMapOvr>
     <a:masterClrMapping/>
   </p:clrMapOvr>
+  <p:timing>
+    <p:tnLst>
+      <p:par>
+        <p:cTn xmlns:p14="http://schemas.microsoft.com/office/powerpoint/2010/main" id="1" dur="indefinite" restart="never" nodeType="tmRoot"/>
+      </p:par>
+    </p:tnLst>
+  </p:timing>
 </p:sld>
 </file>
 
@@ -6064,9 +5882,16 @@
           </a:bodyPr>
           <a:lstStyle/>
           <a:p>
+            <a:endParaRPr lang="en-US" sz="2800" dirty="0" smtClean="0"/>
+          </a:p>
+          <a:p>
             <a:r>
               <a:rPr lang="en-US" sz="2800" dirty="0" smtClean="0"/>
-              <a:t>Linear and Logistic Regression</a:t>
+              <a:t>Linear </a:t>
+            </a:r>
+            <a:r>
+              <a:rPr lang="en-US" sz="2800" dirty="0" smtClean="0"/>
+              <a:t>and Logistic Regression</a:t>
             </a:r>
           </a:p>
           <a:p>
@@ -6082,8 +5907,13 @@
             </a:r>
             <a:r>
               <a:rPr lang="en-US" sz="2800" dirty="0" smtClean="0"/>
-              <a:t> Moving Average approaches</a:t>
-            </a:r>
+              <a:t> Moving Average </a:t>
+            </a:r>
+            <a:r>
+              <a:rPr lang="en-US" sz="2800" dirty="0" smtClean="0"/>
+              <a:t>Approaches</a:t>
+            </a:r>
+            <a:endParaRPr lang="en-US" sz="2800" dirty="0" smtClean="0"/>
           </a:p>
           <a:p>
             <a:pPr marL="0" indent="0">
@@ -6103,6 +5933,13 @@
   <p:clrMapOvr>
     <a:masterClrMapping/>
   </p:clrMapOvr>
+  <p:timing>
+    <p:tnLst>
+      <p:par>
+        <p:cTn xmlns:p14="http://schemas.microsoft.com/office/powerpoint/2010/main" id="1" dur="indefinite" restart="never" nodeType="tmRoot"/>
+      </p:par>
+    </p:tnLst>
+  </p:timing>
 </p:sld>
 </file>
 
@@ -6169,7 +6006,6 @@
               <a:rPr lang="en-US" dirty="0" smtClean="0"/>
               <a:t>Suggestions</a:t>
             </a:r>
-            <a:endParaRPr lang="en-US" dirty="0" smtClean="0"/>
           </a:p>
           <a:p>
             <a:pPr lvl="1"/>
@@ -6247,6 +6083,13 @@
   <p:clrMapOvr>
     <a:masterClrMapping/>
   </p:clrMapOvr>
+  <p:timing>
+    <p:tnLst>
+      <p:par>
+        <p:cTn xmlns:p14="http://schemas.microsoft.com/office/powerpoint/2010/main" id="1" dur="indefinite" restart="never" nodeType="tmRoot"/>
+      </p:par>
+    </p:tnLst>
+  </p:timing>
 </p:sld>
 </file>
 
@@ -6311,7 +6154,6 @@
               <a:rPr lang="en-US" sz="2800" dirty="0" smtClean="0"/>
               <a:t>Currency Analysis:</a:t>
             </a:r>
-            <a:endParaRPr lang="en-US" sz="2800" dirty="0" smtClean="0"/>
           </a:p>
           <a:p>
             <a:pPr lvl="1"/>
@@ -6374,19 +6216,7 @@
           <a:p>
             <a:r>
               <a:rPr lang="en-US" sz="2800" dirty="0" smtClean="0"/>
-              <a:t>Currency data is obtained from 5 </a:t>
-            </a:r>
-            <a:r>
-              <a:rPr lang="en-US" sz="2800" dirty="0" smtClean="0"/>
-              <a:t>years and 6 months </a:t>
-            </a:r>
-            <a:r>
-              <a:rPr lang="en-US" sz="2800" dirty="0" smtClean="0"/>
-              <a:t>worth of value based on gold (</a:t>
-            </a:r>
-            <a:r>
-              <a:rPr lang="en-US" sz="2800" dirty="0" smtClean="0"/>
-              <a:t>XAU)</a:t>
+              <a:t>Currency data is obtained from 5 years and 6 months worth of value based on gold (XAU)</a:t>
             </a:r>
             <a:endParaRPr lang="en-US" sz="2800" dirty="0"/>
           </a:p>
@@ -6402,6 +6232,13 @@
   <p:clrMapOvr>
     <a:masterClrMapping/>
   </p:clrMapOvr>
+  <p:timing>
+    <p:tnLst>
+      <p:par>
+        <p:cTn xmlns:p14="http://schemas.microsoft.com/office/powerpoint/2010/main" id="1" dur="indefinite" restart="never" nodeType="tmRoot"/>
+      </p:par>
+    </p:tnLst>
+  </p:timing>
 </p:sld>
 </file>
 
@@ -6924,7 +6761,11 @@
           <a:p>
             <a:r>
               <a:rPr lang="en-US" dirty="0" smtClean="0"/>
-              <a:t>May 2015</a:t>
+              <a:t>EUR/USD May </a:t>
+            </a:r>
+            <a:r>
+              <a:rPr lang="en-US" dirty="0" smtClean="0"/>
+              <a:t>2015</a:t>
             </a:r>
             <a:endParaRPr lang="en-US" dirty="0"/>
           </a:p>
@@ -6963,6 +6804,13 @@
   <p:clrMapOvr>
     <a:masterClrMapping/>
   </p:clrMapOvr>
+  <p:timing>
+    <p:tnLst>
+      <p:par>
+        <p:cTn xmlns:p14="http://schemas.microsoft.com/office/powerpoint/2010/main" id="1" dur="indefinite" restart="never" nodeType="tmRoot"/>
+      </p:par>
+    </p:tnLst>
+  </p:timing>
 </p:sld>
 </file>
 
@@ -7005,7 +6853,11 @@
           <a:p>
             <a:r>
               <a:rPr lang="en-US" dirty="0" smtClean="0"/>
-              <a:t>August 2015</a:t>
+              <a:t>EUR/USD August </a:t>
+            </a:r>
+            <a:r>
+              <a:rPr lang="en-US" dirty="0" smtClean="0"/>
+              <a:t>2015</a:t>
             </a:r>
             <a:endParaRPr lang="en-US" dirty="0"/>
           </a:p>
@@ -7137,6 +6989,13 @@
   <p:clrMapOvr>
     <a:masterClrMapping/>
   </p:clrMapOvr>
+  <p:timing>
+    <p:tnLst>
+      <p:par>
+        <p:cTn xmlns:p14="http://schemas.microsoft.com/office/powerpoint/2010/main" id="1" dur="indefinite" restart="never" nodeType="tmRoot"/>
+      </p:par>
+    </p:tnLst>
+  </p:timing>
 </p:sld>
 </file>
 
